--- a/設計図.pptx
+++ b/設計図.pptx
@@ -12,6 +12,7 @@
     <p:sldId id="259" r:id="rId6"/>
     <p:sldId id="261" r:id="rId7"/>
     <p:sldId id="257" r:id="rId8"/>
+    <p:sldId id="263" r:id="rId9"/>
   </p:sldIdLst>
   <p:sldSz cx="6858000" cy="12192000"/>
   <p:notesSz cx="6858000" cy="9144000"/>
@@ -131,7 +132,7 @@
   <pc:docChgLst>
     <pc:chgData name="和義 緒方" userId="f76643218ff399e9" providerId="LiveId" clId="{41525E1E-5D5B-41AB-9B99-0CAFD93F1D43}"/>
     <pc:docChg chg="custSel addSld modSld sldOrd">
-      <pc:chgData name="和義 緒方" userId="f76643218ff399e9" providerId="LiveId" clId="{41525E1E-5D5B-41AB-9B99-0CAFD93F1D43}" dt="2023-09-19T14:55:57.849" v="1407" actId="1076"/>
+      <pc:chgData name="和義 緒方" userId="f76643218ff399e9" providerId="LiveId" clId="{41525E1E-5D5B-41AB-9B99-0CAFD93F1D43}" dt="2023-09-30T16:04:45.065" v="1414" actId="1076"/>
       <pc:docMkLst>
         <pc:docMk/>
       </pc:docMkLst>
@@ -3277,6 +3278,45 @@
             <pc:docMk/>
             <pc:sldMk cId="1293023816" sldId="262"/>
             <ac:picMk id="2052" creationId="{341D8A86-6EE0-38AC-A364-30C48FEDAED0}"/>
+          </ac:picMkLst>
+        </pc:picChg>
+      </pc:sldChg>
+      <pc:sldChg chg="addSp delSp modSp new mod">
+        <pc:chgData name="和義 緒方" userId="f76643218ff399e9" providerId="LiveId" clId="{41525E1E-5D5B-41AB-9B99-0CAFD93F1D43}" dt="2023-09-30T16:04:45.065" v="1414" actId="1076"/>
+        <pc:sldMkLst>
+          <pc:docMk/>
+          <pc:sldMk cId="594424944" sldId="263"/>
+        </pc:sldMkLst>
+        <pc:spChg chg="del">
+          <ac:chgData name="和義 緒方" userId="f76643218ff399e9" providerId="LiveId" clId="{41525E1E-5D5B-41AB-9B99-0CAFD93F1D43}" dt="2023-09-30T16:04:31.111" v="1409" actId="478"/>
+          <ac:spMkLst>
+            <pc:docMk/>
+            <pc:sldMk cId="594424944" sldId="263"/>
+            <ac:spMk id="2" creationId="{8031CBA2-CF08-E714-B256-090005CCF7B0}"/>
+          </ac:spMkLst>
+        </pc:spChg>
+        <pc:spChg chg="del">
+          <ac:chgData name="和義 緒方" userId="f76643218ff399e9" providerId="LiveId" clId="{41525E1E-5D5B-41AB-9B99-0CAFD93F1D43}" dt="2023-09-30T16:04:32.033" v="1410" actId="478"/>
+          <ac:spMkLst>
+            <pc:docMk/>
+            <pc:sldMk cId="594424944" sldId="263"/>
+            <ac:spMk id="3" creationId="{D7DF5F2B-D562-94F4-5765-A1553754EB16}"/>
+          </ac:spMkLst>
+        </pc:spChg>
+        <pc:spChg chg="add mod">
+          <ac:chgData name="和義 緒方" userId="f76643218ff399e9" providerId="LiveId" clId="{41525E1E-5D5B-41AB-9B99-0CAFD93F1D43}" dt="2023-09-30T16:04:45.065" v="1414" actId="1076"/>
+          <ac:spMkLst>
+            <pc:docMk/>
+            <pc:sldMk cId="594424944" sldId="263"/>
+            <ac:spMk id="7" creationId="{FED06260-E141-0213-BFF1-C71540E8C489}"/>
+          </ac:spMkLst>
+        </pc:spChg>
+        <pc:picChg chg="add mod">
+          <ac:chgData name="和義 緒方" userId="f76643218ff399e9" providerId="LiveId" clId="{41525E1E-5D5B-41AB-9B99-0CAFD93F1D43}" dt="2023-09-30T16:04:36.024" v="1412" actId="1076"/>
+          <ac:picMkLst>
+            <pc:docMk/>
+            <pc:sldMk cId="594424944" sldId="263"/>
+            <ac:picMk id="5" creationId="{DE64FAF8-F789-F149-A34E-17245C2B5AC8}"/>
           </ac:picMkLst>
         </pc:picChg>
       </pc:sldChg>
@@ -3416,7 +3456,7 @@
           <a:p>
             <a:fld id="{3D9B248B-4D63-48B6-8EE9-C9859A40EF39}" type="datetimeFigureOut">
               <a:rPr kumimoji="1" lang="ja-JP" altLang="en-US" smtClean="0"/>
-              <a:t>2023/9/19</a:t>
+              <a:t>2023/10/1</a:t>
             </a:fld>
             <a:endParaRPr kumimoji="1" lang="ja-JP" altLang="en-US"/>
           </a:p>
@@ -3618,7 +3658,7 @@
           <a:p>
             <a:fld id="{3D9B248B-4D63-48B6-8EE9-C9859A40EF39}" type="datetimeFigureOut">
               <a:rPr kumimoji="1" lang="ja-JP" altLang="en-US" smtClean="0"/>
-              <a:t>2023/9/19</a:t>
+              <a:t>2023/10/1</a:t>
             </a:fld>
             <a:endParaRPr kumimoji="1" lang="ja-JP" altLang="en-US"/>
           </a:p>
@@ -3830,7 +3870,7 @@
           <a:p>
             <a:fld id="{3D9B248B-4D63-48B6-8EE9-C9859A40EF39}" type="datetimeFigureOut">
               <a:rPr kumimoji="1" lang="ja-JP" altLang="en-US" smtClean="0"/>
-              <a:t>2023/9/19</a:t>
+              <a:t>2023/10/1</a:t>
             </a:fld>
             <a:endParaRPr kumimoji="1" lang="ja-JP" altLang="en-US"/>
           </a:p>
@@ -4032,7 +4072,7 @@
           <a:p>
             <a:fld id="{3D9B248B-4D63-48B6-8EE9-C9859A40EF39}" type="datetimeFigureOut">
               <a:rPr kumimoji="1" lang="ja-JP" altLang="en-US" smtClean="0"/>
-              <a:t>2023/9/19</a:t>
+              <a:t>2023/10/1</a:t>
             </a:fld>
             <a:endParaRPr kumimoji="1" lang="ja-JP" altLang="en-US"/>
           </a:p>
@@ -4276,7 +4316,7 @@
           <a:p>
             <a:fld id="{3D9B248B-4D63-48B6-8EE9-C9859A40EF39}" type="datetimeFigureOut">
               <a:rPr kumimoji="1" lang="ja-JP" altLang="en-US" smtClean="0"/>
-              <a:t>2023/9/19</a:t>
+              <a:t>2023/10/1</a:t>
             </a:fld>
             <a:endParaRPr kumimoji="1" lang="ja-JP" altLang="en-US"/>
           </a:p>
@@ -4572,7 +4612,7 @@
           <a:p>
             <a:fld id="{3D9B248B-4D63-48B6-8EE9-C9859A40EF39}" type="datetimeFigureOut">
               <a:rPr kumimoji="1" lang="ja-JP" altLang="en-US" smtClean="0"/>
-              <a:t>2023/9/19</a:t>
+              <a:t>2023/10/1</a:t>
             </a:fld>
             <a:endParaRPr kumimoji="1" lang="ja-JP" altLang="en-US"/>
           </a:p>
@@ -5003,7 +5043,7 @@
           <a:p>
             <a:fld id="{3D9B248B-4D63-48B6-8EE9-C9859A40EF39}" type="datetimeFigureOut">
               <a:rPr kumimoji="1" lang="ja-JP" altLang="en-US" smtClean="0"/>
-              <a:t>2023/9/19</a:t>
+              <a:t>2023/10/1</a:t>
             </a:fld>
             <a:endParaRPr kumimoji="1" lang="ja-JP" altLang="en-US"/>
           </a:p>
@@ -5121,7 +5161,7 @@
           <a:p>
             <a:fld id="{3D9B248B-4D63-48B6-8EE9-C9859A40EF39}" type="datetimeFigureOut">
               <a:rPr kumimoji="1" lang="ja-JP" altLang="en-US" smtClean="0"/>
-              <a:t>2023/9/19</a:t>
+              <a:t>2023/10/1</a:t>
             </a:fld>
             <a:endParaRPr kumimoji="1" lang="ja-JP" altLang="en-US"/>
           </a:p>
@@ -5216,7 +5256,7 @@
           <a:p>
             <a:fld id="{3D9B248B-4D63-48B6-8EE9-C9859A40EF39}" type="datetimeFigureOut">
               <a:rPr kumimoji="1" lang="ja-JP" altLang="en-US" smtClean="0"/>
-              <a:t>2023/9/19</a:t>
+              <a:t>2023/10/1</a:t>
             </a:fld>
             <a:endParaRPr kumimoji="1" lang="ja-JP" altLang="en-US"/>
           </a:p>
@@ -5525,7 +5565,7 @@
           <a:p>
             <a:fld id="{3D9B248B-4D63-48B6-8EE9-C9859A40EF39}" type="datetimeFigureOut">
               <a:rPr kumimoji="1" lang="ja-JP" altLang="en-US" smtClean="0"/>
-              <a:t>2023/9/19</a:t>
+              <a:t>2023/10/1</a:t>
             </a:fld>
             <a:endParaRPr kumimoji="1" lang="ja-JP" altLang="en-US"/>
           </a:p>
@@ -5782,7 +5822,7 @@
           <a:p>
             <a:fld id="{3D9B248B-4D63-48B6-8EE9-C9859A40EF39}" type="datetimeFigureOut">
               <a:rPr kumimoji="1" lang="ja-JP" altLang="en-US" smtClean="0"/>
-              <a:t>2023/9/19</a:t>
+              <a:t>2023/10/1</a:t>
             </a:fld>
             <a:endParaRPr kumimoji="1" lang="ja-JP" altLang="en-US"/>
           </a:p>
@@ -6027,7 +6067,7 @@
           <a:p>
             <a:fld id="{3D9B248B-4D63-48B6-8EE9-C9859A40EF39}" type="datetimeFigureOut">
               <a:rPr kumimoji="1" lang="ja-JP" altLang="en-US" smtClean="0"/>
-              <a:t>2023/9/19</a:t>
+              <a:t>2023/10/1</a:t>
             </a:fld>
             <a:endParaRPr kumimoji="1" lang="ja-JP" altLang="en-US"/>
           </a:p>
@@ -7982,7 +8022,7 @@
               <a:tabLst/>
             </a:pPr>
             <a:r>
-              <a:rPr kumimoji="0" lang="ja-JP" altLang="ja-JP" sz="1100" b="0" i="0" u="none" strike="noStrike" cap="none" normalizeH="0" baseline="0">
+              <a:rPr kumimoji="0" lang="ja-JP" altLang="ja-JP" sz="1100" b="0" i="0" u="none" strike="noStrike" cap="none" normalizeH="0" baseline="0" dirty="0">
                 <a:ln>
                   <a:noFill/>
                 </a:ln>
@@ -7996,7 +8036,7 @@
               <a:t>https://github.com/USERNAME.png</a:t>
             </a:r>
             <a:r>
-              <a:rPr kumimoji="0" lang="ja-JP" altLang="ja-JP" sz="400" b="0" i="0" u="none" strike="noStrike" cap="none" normalizeH="0" baseline="0">
+              <a:rPr kumimoji="0" lang="ja-JP" altLang="ja-JP" sz="400" b="0" i="0" u="none" strike="noStrike" cap="none" normalizeH="0" baseline="0" dirty="0">
                 <a:ln>
                   <a:noFill/>
                 </a:ln>
@@ -8007,7 +8047,7 @@
               </a:rPr>
               <a:t> </a:t>
             </a:r>
-            <a:endParaRPr kumimoji="0" lang="ja-JP" altLang="ja-JP" sz="1800" b="0" i="0" u="none" strike="noStrike" cap="none" normalizeH="0" baseline="0">
+            <a:endParaRPr kumimoji="0" lang="ja-JP" altLang="ja-JP" sz="1800" b="0" i="0" u="none" strike="noStrike" cap="none" normalizeH="0" baseline="0" dirty="0">
               <a:ln>
                 <a:noFill/>
               </a:ln>
@@ -14135,6 +14175,101 @@
     <p:extLst>
       <p:ext uri="{BB962C8B-B14F-4D97-AF65-F5344CB8AC3E}">
         <p14:creationId xmlns:p14="http://schemas.microsoft.com/office/powerpoint/2010/main" val="3282377087"/>
+      </p:ext>
+    </p:extLst>
+  </p:cSld>
+  <p:clrMapOvr>
+    <a:masterClrMapping/>
+  </p:clrMapOvr>
+</p:sld>
+</file>
+
+<file path=ppt/slides/slide8.xml><?xml version="1.0" encoding="utf-8"?>
+<p:sld xmlns:a="http://schemas.openxmlformats.org/drawingml/2006/main" xmlns:r="http://schemas.openxmlformats.org/officeDocument/2006/relationships" xmlns:p="http://schemas.openxmlformats.org/presentationml/2006/main">
+  <p:cSld>
+    <p:spTree>
+      <p:nvGrpSpPr>
+        <p:cNvPr id="1" name=""/>
+        <p:cNvGrpSpPr/>
+        <p:nvPr/>
+      </p:nvGrpSpPr>
+      <p:grpSpPr>
+        <a:xfrm>
+          <a:off x="0" y="0"/>
+          <a:ext cx="0" cy="0"/>
+          <a:chOff x="0" y="0"/>
+          <a:chExt cx="0" cy="0"/>
+        </a:xfrm>
+      </p:grpSpPr>
+      <p:pic>
+        <p:nvPicPr>
+          <p:cNvPr id="5" name="図 4">
+            <a:extLst>
+              <a:ext uri="{FF2B5EF4-FFF2-40B4-BE49-F238E27FC236}">
+                <a16:creationId xmlns:a16="http://schemas.microsoft.com/office/drawing/2014/main" id="{DE64FAF8-F789-F149-A34E-17245C2B5AC8}"/>
+              </a:ext>
+            </a:extLst>
+          </p:cNvPr>
+          <p:cNvPicPr>
+            <a:picLocks noChangeAspect="1"/>
+          </p:cNvPicPr>
+          <p:nvPr/>
+        </p:nvPicPr>
+        <p:blipFill>
+          <a:blip r:embed="rId2"/>
+          <a:stretch>
+            <a:fillRect/>
+          </a:stretch>
+        </p:blipFill>
+        <p:spPr>
+          <a:xfrm>
+            <a:off x="533149" y="563272"/>
+            <a:ext cx="5791702" cy="1889924"/>
+          </a:xfrm>
+          <a:prstGeom prst="rect">
+            <a:avLst/>
+          </a:prstGeom>
+        </p:spPr>
+      </p:pic>
+      <p:sp>
+        <p:nvSpPr>
+          <p:cNvPr id="7" name="テキスト ボックス 6">
+            <a:extLst>
+              <a:ext uri="{FF2B5EF4-FFF2-40B4-BE49-F238E27FC236}">
+                <a16:creationId xmlns:a16="http://schemas.microsoft.com/office/drawing/2014/main" id="{FED06260-E141-0213-BFF1-C71540E8C489}"/>
+              </a:ext>
+            </a:extLst>
+          </p:cNvPr>
+          <p:cNvSpPr txBox="1"/>
+          <p:nvPr/>
+        </p:nvSpPr>
+        <p:spPr>
+          <a:xfrm>
+            <a:off x="342900" y="2453196"/>
+            <a:ext cx="3429000" cy="646331"/>
+          </a:xfrm>
+          <a:prstGeom prst="rect">
+            <a:avLst/>
+          </a:prstGeom>
+          <a:noFill/>
+        </p:spPr>
+        <p:txBody>
+          <a:bodyPr wrap="square">
+            <a:spAutoFit/>
+          </a:bodyPr>
+          <a:lstStyle/>
+          <a:p>
+            <a:r>
+              <a:rPr lang="ja-JP" altLang="en-US" dirty="0"/>
+              <a:t>https://zenn.dev/yuji/articles/8618a7e35da2e7</a:t>
+            </a:r>
+          </a:p>
+        </p:txBody>
+      </p:sp>
+    </p:spTree>
+    <p:extLst>
+      <p:ext uri="{BB962C8B-B14F-4D97-AF65-F5344CB8AC3E}">
+        <p14:creationId xmlns:p14="http://schemas.microsoft.com/office/powerpoint/2010/main" val="594424944"/>
       </p:ext>
     </p:extLst>
   </p:cSld>
